--- a/Thesis/Figures/main/figure1.pptx
+++ b/Thesis/Figures/main/figure1.pptx
@@ -134,7 +134,7 @@
           <p:cNvPr id="2" name="Title 1">
             <a:extLst>
               <a:ext uri="{FF2B5EF4-FFF2-40B4-BE49-F238E27FC236}">
-                <a16:creationId xmlns:a16="http://schemas.microsoft.com/office/drawing/2014/main" xmlns="" id="{266145FC-5A66-47CF-9A81-BC65DED77621}"/>
+                <a16:creationId xmlns:a16="http://schemas.microsoft.com/office/drawing/2014/main" id="{266145FC-5A66-47CF-9A81-BC65DED77621}"/>
               </a:ext>
             </a:extLst>
           </p:cNvPr>
@@ -171,7 +171,7 @@
           <p:cNvPr id="3" name="Subtitle 2">
             <a:extLst>
               <a:ext uri="{FF2B5EF4-FFF2-40B4-BE49-F238E27FC236}">
-                <a16:creationId xmlns:a16="http://schemas.microsoft.com/office/drawing/2014/main" xmlns="" id="{30AA4ED3-A677-4AFC-8B3F-9234B7ADAAAF}"/>
+                <a16:creationId xmlns:a16="http://schemas.microsoft.com/office/drawing/2014/main" id="{30AA4ED3-A677-4AFC-8B3F-9234B7ADAAAF}"/>
               </a:ext>
             </a:extLst>
           </p:cNvPr>
@@ -241,7 +241,7 @@
           <p:cNvPr id="4" name="Date Placeholder 3">
             <a:extLst>
               <a:ext uri="{FF2B5EF4-FFF2-40B4-BE49-F238E27FC236}">
-                <a16:creationId xmlns:a16="http://schemas.microsoft.com/office/drawing/2014/main" xmlns="" id="{898A56A2-2863-447A-ADFF-5370E16268B5}"/>
+                <a16:creationId xmlns:a16="http://schemas.microsoft.com/office/drawing/2014/main" id="{898A56A2-2863-447A-ADFF-5370E16268B5}"/>
               </a:ext>
             </a:extLst>
           </p:cNvPr>
@@ -259,7 +259,7 @@
           <a:p>
             <a:fld id="{00913632-2DD1-4795-B4E2-ED79D20560CD}" type="datetimeFigureOut">
               <a:rPr lang="en-US" smtClean="0"/>
-              <a:t>11/5/2020</a:t>
+              <a:t>11/8/2020</a:t>
             </a:fld>
             <a:endParaRPr lang="en-US"/>
           </a:p>
@@ -270,7 +270,7 @@
           <p:cNvPr id="5" name="Footer Placeholder 4">
             <a:extLst>
               <a:ext uri="{FF2B5EF4-FFF2-40B4-BE49-F238E27FC236}">
-                <a16:creationId xmlns:a16="http://schemas.microsoft.com/office/drawing/2014/main" xmlns="" id="{03C23587-6B49-4696-A5F6-D06DBA206B28}"/>
+                <a16:creationId xmlns:a16="http://schemas.microsoft.com/office/drawing/2014/main" id="{03C23587-6B49-4696-A5F6-D06DBA206B28}"/>
               </a:ext>
             </a:extLst>
           </p:cNvPr>
@@ -295,7 +295,7 @@
           <p:cNvPr id="6" name="Slide Number Placeholder 5">
             <a:extLst>
               <a:ext uri="{FF2B5EF4-FFF2-40B4-BE49-F238E27FC236}">
-                <a16:creationId xmlns:a16="http://schemas.microsoft.com/office/drawing/2014/main" xmlns="" id="{5EF8C12E-535A-4B74-AD2B-2EA4614450E2}"/>
+                <a16:creationId xmlns:a16="http://schemas.microsoft.com/office/drawing/2014/main" id="{5EF8C12E-535A-4B74-AD2B-2EA4614450E2}"/>
               </a:ext>
             </a:extLst>
           </p:cNvPr>
@@ -354,7 +354,7 @@
           <p:cNvPr id="2" name="Title 1">
             <a:extLst>
               <a:ext uri="{FF2B5EF4-FFF2-40B4-BE49-F238E27FC236}">
-                <a16:creationId xmlns:a16="http://schemas.microsoft.com/office/drawing/2014/main" xmlns="" id="{03ADAA2F-030C-49A4-8C17-16394E1DA6E8}"/>
+                <a16:creationId xmlns:a16="http://schemas.microsoft.com/office/drawing/2014/main" id="{03ADAA2F-030C-49A4-8C17-16394E1DA6E8}"/>
               </a:ext>
             </a:extLst>
           </p:cNvPr>
@@ -382,7 +382,7 @@
           <p:cNvPr id="3" name="Vertical Text Placeholder 2">
             <a:extLst>
               <a:ext uri="{FF2B5EF4-FFF2-40B4-BE49-F238E27FC236}">
-                <a16:creationId xmlns:a16="http://schemas.microsoft.com/office/drawing/2014/main" xmlns="" id="{585FF03A-FDB8-4B28-B94B-4CE6B342BA3B}"/>
+                <a16:creationId xmlns:a16="http://schemas.microsoft.com/office/drawing/2014/main" id="{585FF03A-FDB8-4B28-B94B-4CE6B342BA3B}"/>
               </a:ext>
             </a:extLst>
           </p:cNvPr>
@@ -439,7 +439,7 @@
           <p:cNvPr id="4" name="Date Placeholder 3">
             <a:extLst>
               <a:ext uri="{FF2B5EF4-FFF2-40B4-BE49-F238E27FC236}">
-                <a16:creationId xmlns:a16="http://schemas.microsoft.com/office/drawing/2014/main" xmlns="" id="{7942E5B2-5BF3-4F21-8176-5288BDA3DC61}"/>
+                <a16:creationId xmlns:a16="http://schemas.microsoft.com/office/drawing/2014/main" id="{7942E5B2-5BF3-4F21-8176-5288BDA3DC61}"/>
               </a:ext>
             </a:extLst>
           </p:cNvPr>
@@ -457,7 +457,7 @@
           <a:p>
             <a:fld id="{00913632-2DD1-4795-B4E2-ED79D20560CD}" type="datetimeFigureOut">
               <a:rPr lang="en-US" smtClean="0"/>
-              <a:t>11/5/2020</a:t>
+              <a:t>11/8/2020</a:t>
             </a:fld>
             <a:endParaRPr lang="en-US"/>
           </a:p>
@@ -468,7 +468,7 @@
           <p:cNvPr id="5" name="Footer Placeholder 4">
             <a:extLst>
               <a:ext uri="{FF2B5EF4-FFF2-40B4-BE49-F238E27FC236}">
-                <a16:creationId xmlns:a16="http://schemas.microsoft.com/office/drawing/2014/main" xmlns="" id="{CE23845C-808C-479B-9DCA-6B87DC106BBC}"/>
+                <a16:creationId xmlns:a16="http://schemas.microsoft.com/office/drawing/2014/main" id="{CE23845C-808C-479B-9DCA-6B87DC106BBC}"/>
               </a:ext>
             </a:extLst>
           </p:cNvPr>
@@ -493,7 +493,7 @@
           <p:cNvPr id="6" name="Slide Number Placeholder 5">
             <a:extLst>
               <a:ext uri="{FF2B5EF4-FFF2-40B4-BE49-F238E27FC236}">
-                <a16:creationId xmlns:a16="http://schemas.microsoft.com/office/drawing/2014/main" xmlns="" id="{2298A856-0DCF-4F4C-BB18-57AB2C056869}"/>
+                <a16:creationId xmlns:a16="http://schemas.microsoft.com/office/drawing/2014/main" id="{2298A856-0DCF-4F4C-BB18-57AB2C056869}"/>
               </a:ext>
             </a:extLst>
           </p:cNvPr>
@@ -552,7 +552,7 @@
           <p:cNvPr id="2" name="Vertical Title 1">
             <a:extLst>
               <a:ext uri="{FF2B5EF4-FFF2-40B4-BE49-F238E27FC236}">
-                <a16:creationId xmlns:a16="http://schemas.microsoft.com/office/drawing/2014/main" xmlns="" id="{9562D88E-BB92-42E1-90E9-4EEB17356AC9}"/>
+                <a16:creationId xmlns:a16="http://schemas.microsoft.com/office/drawing/2014/main" id="{9562D88E-BB92-42E1-90E9-4EEB17356AC9}"/>
               </a:ext>
             </a:extLst>
           </p:cNvPr>
@@ -585,7 +585,7 @@
           <p:cNvPr id="3" name="Vertical Text Placeholder 2">
             <a:extLst>
               <a:ext uri="{FF2B5EF4-FFF2-40B4-BE49-F238E27FC236}">
-                <a16:creationId xmlns:a16="http://schemas.microsoft.com/office/drawing/2014/main" xmlns="" id="{AEE5035D-C178-4E0D-85F2-EEA7C032A104}"/>
+                <a16:creationId xmlns:a16="http://schemas.microsoft.com/office/drawing/2014/main" id="{AEE5035D-C178-4E0D-85F2-EEA7C032A104}"/>
               </a:ext>
             </a:extLst>
           </p:cNvPr>
@@ -647,7 +647,7 @@
           <p:cNvPr id="4" name="Date Placeholder 3">
             <a:extLst>
               <a:ext uri="{FF2B5EF4-FFF2-40B4-BE49-F238E27FC236}">
-                <a16:creationId xmlns:a16="http://schemas.microsoft.com/office/drawing/2014/main" xmlns="" id="{6F7B98C4-86BD-404E-A6DB-7EFA6BD9FAE3}"/>
+                <a16:creationId xmlns:a16="http://schemas.microsoft.com/office/drawing/2014/main" id="{6F7B98C4-86BD-404E-A6DB-7EFA6BD9FAE3}"/>
               </a:ext>
             </a:extLst>
           </p:cNvPr>
@@ -665,7 +665,7 @@
           <a:p>
             <a:fld id="{00913632-2DD1-4795-B4E2-ED79D20560CD}" type="datetimeFigureOut">
               <a:rPr lang="en-US" smtClean="0"/>
-              <a:t>11/5/2020</a:t>
+              <a:t>11/8/2020</a:t>
             </a:fld>
             <a:endParaRPr lang="en-US"/>
           </a:p>
@@ -676,7 +676,7 @@
           <p:cNvPr id="5" name="Footer Placeholder 4">
             <a:extLst>
               <a:ext uri="{FF2B5EF4-FFF2-40B4-BE49-F238E27FC236}">
-                <a16:creationId xmlns:a16="http://schemas.microsoft.com/office/drawing/2014/main" xmlns="" id="{D16DF7ED-98A0-488B-B21A-55C09921675B}"/>
+                <a16:creationId xmlns:a16="http://schemas.microsoft.com/office/drawing/2014/main" id="{D16DF7ED-98A0-488B-B21A-55C09921675B}"/>
               </a:ext>
             </a:extLst>
           </p:cNvPr>
@@ -701,7 +701,7 @@
           <p:cNvPr id="6" name="Slide Number Placeholder 5">
             <a:extLst>
               <a:ext uri="{FF2B5EF4-FFF2-40B4-BE49-F238E27FC236}">
-                <a16:creationId xmlns:a16="http://schemas.microsoft.com/office/drawing/2014/main" xmlns="" id="{321D58DE-5CAA-429E-B634-C066DC30910A}"/>
+                <a16:creationId xmlns:a16="http://schemas.microsoft.com/office/drawing/2014/main" id="{321D58DE-5CAA-429E-B634-C066DC30910A}"/>
               </a:ext>
             </a:extLst>
           </p:cNvPr>
@@ -760,7 +760,7 @@
           <p:cNvPr id="2" name="Title 1">
             <a:extLst>
               <a:ext uri="{FF2B5EF4-FFF2-40B4-BE49-F238E27FC236}">
-                <a16:creationId xmlns:a16="http://schemas.microsoft.com/office/drawing/2014/main" xmlns="" id="{B080B9EB-14A7-45D0-89A5-3C369180DA9F}"/>
+                <a16:creationId xmlns:a16="http://schemas.microsoft.com/office/drawing/2014/main" id="{B080B9EB-14A7-45D0-89A5-3C369180DA9F}"/>
               </a:ext>
             </a:extLst>
           </p:cNvPr>
@@ -788,7 +788,7 @@
           <p:cNvPr id="3" name="Content Placeholder 2">
             <a:extLst>
               <a:ext uri="{FF2B5EF4-FFF2-40B4-BE49-F238E27FC236}">
-                <a16:creationId xmlns:a16="http://schemas.microsoft.com/office/drawing/2014/main" xmlns="" id="{8F7CB966-FDB9-4479-8CF1-262657174CA0}"/>
+                <a16:creationId xmlns:a16="http://schemas.microsoft.com/office/drawing/2014/main" id="{8F7CB966-FDB9-4479-8CF1-262657174CA0}"/>
               </a:ext>
             </a:extLst>
           </p:cNvPr>
@@ -845,7 +845,7 @@
           <p:cNvPr id="4" name="Date Placeholder 3">
             <a:extLst>
               <a:ext uri="{FF2B5EF4-FFF2-40B4-BE49-F238E27FC236}">
-                <a16:creationId xmlns:a16="http://schemas.microsoft.com/office/drawing/2014/main" xmlns="" id="{FD8480D7-17D8-4224-947B-3C108DA7F654}"/>
+                <a16:creationId xmlns:a16="http://schemas.microsoft.com/office/drawing/2014/main" id="{FD8480D7-17D8-4224-947B-3C108DA7F654}"/>
               </a:ext>
             </a:extLst>
           </p:cNvPr>
@@ -863,7 +863,7 @@
           <a:p>
             <a:fld id="{00913632-2DD1-4795-B4E2-ED79D20560CD}" type="datetimeFigureOut">
               <a:rPr lang="en-US" smtClean="0"/>
-              <a:t>11/5/2020</a:t>
+              <a:t>11/8/2020</a:t>
             </a:fld>
             <a:endParaRPr lang="en-US"/>
           </a:p>
@@ -874,7 +874,7 @@
           <p:cNvPr id="5" name="Footer Placeholder 4">
             <a:extLst>
               <a:ext uri="{FF2B5EF4-FFF2-40B4-BE49-F238E27FC236}">
-                <a16:creationId xmlns:a16="http://schemas.microsoft.com/office/drawing/2014/main" xmlns="" id="{6373A9DB-0201-4D97-B625-5C36072144BF}"/>
+                <a16:creationId xmlns:a16="http://schemas.microsoft.com/office/drawing/2014/main" id="{6373A9DB-0201-4D97-B625-5C36072144BF}"/>
               </a:ext>
             </a:extLst>
           </p:cNvPr>
@@ -899,7 +899,7 @@
           <p:cNvPr id="6" name="Slide Number Placeholder 5">
             <a:extLst>
               <a:ext uri="{FF2B5EF4-FFF2-40B4-BE49-F238E27FC236}">
-                <a16:creationId xmlns:a16="http://schemas.microsoft.com/office/drawing/2014/main" xmlns="" id="{6B12B3E2-9380-453E-9310-436991BE4399}"/>
+                <a16:creationId xmlns:a16="http://schemas.microsoft.com/office/drawing/2014/main" id="{6B12B3E2-9380-453E-9310-436991BE4399}"/>
               </a:ext>
             </a:extLst>
           </p:cNvPr>
@@ -958,7 +958,7 @@
           <p:cNvPr id="2" name="Title 1">
             <a:extLst>
               <a:ext uri="{FF2B5EF4-FFF2-40B4-BE49-F238E27FC236}">
-                <a16:creationId xmlns:a16="http://schemas.microsoft.com/office/drawing/2014/main" xmlns="" id="{A2CF75EC-F216-4913-A9F7-161C35FA4EFB}"/>
+                <a16:creationId xmlns:a16="http://schemas.microsoft.com/office/drawing/2014/main" id="{A2CF75EC-F216-4913-A9F7-161C35FA4EFB}"/>
               </a:ext>
             </a:extLst>
           </p:cNvPr>
@@ -995,7 +995,7 @@
           <p:cNvPr id="3" name="Text Placeholder 2">
             <a:extLst>
               <a:ext uri="{FF2B5EF4-FFF2-40B4-BE49-F238E27FC236}">
-                <a16:creationId xmlns:a16="http://schemas.microsoft.com/office/drawing/2014/main" xmlns="" id="{A8A254CE-7D22-4564-A24D-0895F568FF98}"/>
+                <a16:creationId xmlns:a16="http://schemas.microsoft.com/office/drawing/2014/main" id="{A8A254CE-7D22-4564-A24D-0895F568FF98}"/>
               </a:ext>
             </a:extLst>
           </p:cNvPr>
@@ -1120,7 +1120,7 @@
           <p:cNvPr id="4" name="Date Placeholder 3">
             <a:extLst>
               <a:ext uri="{FF2B5EF4-FFF2-40B4-BE49-F238E27FC236}">
-                <a16:creationId xmlns:a16="http://schemas.microsoft.com/office/drawing/2014/main" xmlns="" id="{B9B42F33-2306-4363-92BB-BB549311F484}"/>
+                <a16:creationId xmlns:a16="http://schemas.microsoft.com/office/drawing/2014/main" id="{B9B42F33-2306-4363-92BB-BB549311F484}"/>
               </a:ext>
             </a:extLst>
           </p:cNvPr>
@@ -1138,7 +1138,7 @@
           <a:p>
             <a:fld id="{00913632-2DD1-4795-B4E2-ED79D20560CD}" type="datetimeFigureOut">
               <a:rPr lang="en-US" smtClean="0"/>
-              <a:t>11/5/2020</a:t>
+              <a:t>11/8/2020</a:t>
             </a:fld>
             <a:endParaRPr lang="en-US"/>
           </a:p>
@@ -1149,7 +1149,7 @@
           <p:cNvPr id="5" name="Footer Placeholder 4">
             <a:extLst>
               <a:ext uri="{FF2B5EF4-FFF2-40B4-BE49-F238E27FC236}">
-                <a16:creationId xmlns:a16="http://schemas.microsoft.com/office/drawing/2014/main" xmlns="" id="{8BE14073-4C7C-403C-8F87-10975A80B9BD}"/>
+                <a16:creationId xmlns:a16="http://schemas.microsoft.com/office/drawing/2014/main" id="{8BE14073-4C7C-403C-8F87-10975A80B9BD}"/>
               </a:ext>
             </a:extLst>
           </p:cNvPr>
@@ -1174,7 +1174,7 @@
           <p:cNvPr id="6" name="Slide Number Placeholder 5">
             <a:extLst>
               <a:ext uri="{FF2B5EF4-FFF2-40B4-BE49-F238E27FC236}">
-                <a16:creationId xmlns:a16="http://schemas.microsoft.com/office/drawing/2014/main" xmlns="" id="{05760AE9-BE0F-44CB-A868-626417903157}"/>
+                <a16:creationId xmlns:a16="http://schemas.microsoft.com/office/drawing/2014/main" id="{05760AE9-BE0F-44CB-A868-626417903157}"/>
               </a:ext>
             </a:extLst>
           </p:cNvPr>
@@ -1233,7 +1233,7 @@
           <p:cNvPr id="2" name="Title 1">
             <a:extLst>
               <a:ext uri="{FF2B5EF4-FFF2-40B4-BE49-F238E27FC236}">
-                <a16:creationId xmlns:a16="http://schemas.microsoft.com/office/drawing/2014/main" xmlns="" id="{C454B56F-6611-4A15-8B6F-907028E282AD}"/>
+                <a16:creationId xmlns:a16="http://schemas.microsoft.com/office/drawing/2014/main" id="{C454B56F-6611-4A15-8B6F-907028E282AD}"/>
               </a:ext>
             </a:extLst>
           </p:cNvPr>
@@ -1261,7 +1261,7 @@
           <p:cNvPr id="3" name="Content Placeholder 2">
             <a:extLst>
               <a:ext uri="{FF2B5EF4-FFF2-40B4-BE49-F238E27FC236}">
-                <a16:creationId xmlns:a16="http://schemas.microsoft.com/office/drawing/2014/main" xmlns="" id="{8C399A4E-E3E6-4A19-9A42-BBC1F0FEE407}"/>
+                <a16:creationId xmlns:a16="http://schemas.microsoft.com/office/drawing/2014/main" id="{8C399A4E-E3E6-4A19-9A42-BBC1F0FEE407}"/>
               </a:ext>
             </a:extLst>
           </p:cNvPr>
@@ -1323,7 +1323,7 @@
           <p:cNvPr id="4" name="Content Placeholder 3">
             <a:extLst>
               <a:ext uri="{FF2B5EF4-FFF2-40B4-BE49-F238E27FC236}">
-                <a16:creationId xmlns:a16="http://schemas.microsoft.com/office/drawing/2014/main" xmlns="" id="{23B518A6-6326-4E34-B7A2-5D8A9C8FB502}"/>
+                <a16:creationId xmlns:a16="http://schemas.microsoft.com/office/drawing/2014/main" id="{23B518A6-6326-4E34-B7A2-5D8A9C8FB502}"/>
               </a:ext>
             </a:extLst>
           </p:cNvPr>
@@ -1385,7 +1385,7 @@
           <p:cNvPr id="5" name="Date Placeholder 4">
             <a:extLst>
               <a:ext uri="{FF2B5EF4-FFF2-40B4-BE49-F238E27FC236}">
-                <a16:creationId xmlns:a16="http://schemas.microsoft.com/office/drawing/2014/main" xmlns="" id="{A18D0A9F-16FF-4E3C-91E4-742A6C31FD8C}"/>
+                <a16:creationId xmlns:a16="http://schemas.microsoft.com/office/drawing/2014/main" id="{A18D0A9F-16FF-4E3C-91E4-742A6C31FD8C}"/>
               </a:ext>
             </a:extLst>
           </p:cNvPr>
@@ -1403,7 +1403,7 @@
           <a:p>
             <a:fld id="{00913632-2DD1-4795-B4E2-ED79D20560CD}" type="datetimeFigureOut">
               <a:rPr lang="en-US" smtClean="0"/>
-              <a:t>11/5/2020</a:t>
+              <a:t>11/8/2020</a:t>
             </a:fld>
             <a:endParaRPr lang="en-US"/>
           </a:p>
@@ -1414,7 +1414,7 @@
           <p:cNvPr id="6" name="Footer Placeholder 5">
             <a:extLst>
               <a:ext uri="{FF2B5EF4-FFF2-40B4-BE49-F238E27FC236}">
-                <a16:creationId xmlns:a16="http://schemas.microsoft.com/office/drawing/2014/main" xmlns="" id="{362364C1-852E-4529-8720-CEE7B45285DA}"/>
+                <a16:creationId xmlns:a16="http://schemas.microsoft.com/office/drawing/2014/main" id="{362364C1-852E-4529-8720-CEE7B45285DA}"/>
               </a:ext>
             </a:extLst>
           </p:cNvPr>
@@ -1439,7 +1439,7 @@
           <p:cNvPr id="7" name="Slide Number Placeholder 6">
             <a:extLst>
               <a:ext uri="{FF2B5EF4-FFF2-40B4-BE49-F238E27FC236}">
-                <a16:creationId xmlns:a16="http://schemas.microsoft.com/office/drawing/2014/main" xmlns="" id="{1F6EBF2D-4BC8-4D76-8B68-F548E6D87CD0}"/>
+                <a16:creationId xmlns:a16="http://schemas.microsoft.com/office/drawing/2014/main" id="{1F6EBF2D-4BC8-4D76-8B68-F548E6D87CD0}"/>
               </a:ext>
             </a:extLst>
           </p:cNvPr>
@@ -1498,7 +1498,7 @@
           <p:cNvPr id="2" name="Title 1">
             <a:extLst>
               <a:ext uri="{FF2B5EF4-FFF2-40B4-BE49-F238E27FC236}">
-                <a16:creationId xmlns:a16="http://schemas.microsoft.com/office/drawing/2014/main" xmlns="" id="{E3BBDD25-478C-462D-B06E-FF2BE8108ECC}"/>
+                <a16:creationId xmlns:a16="http://schemas.microsoft.com/office/drawing/2014/main" id="{E3BBDD25-478C-462D-B06E-FF2BE8108ECC}"/>
               </a:ext>
             </a:extLst>
           </p:cNvPr>
@@ -1531,7 +1531,7 @@
           <p:cNvPr id="3" name="Text Placeholder 2">
             <a:extLst>
               <a:ext uri="{FF2B5EF4-FFF2-40B4-BE49-F238E27FC236}">
-                <a16:creationId xmlns:a16="http://schemas.microsoft.com/office/drawing/2014/main" xmlns="" id="{2EB30F3B-2851-48FB-BB48-23B45297D1B9}"/>
+                <a16:creationId xmlns:a16="http://schemas.microsoft.com/office/drawing/2014/main" id="{2EB30F3B-2851-48FB-BB48-23B45297D1B9}"/>
               </a:ext>
             </a:extLst>
           </p:cNvPr>
@@ -1602,7 +1602,7 @@
           <p:cNvPr id="4" name="Content Placeholder 3">
             <a:extLst>
               <a:ext uri="{FF2B5EF4-FFF2-40B4-BE49-F238E27FC236}">
-                <a16:creationId xmlns:a16="http://schemas.microsoft.com/office/drawing/2014/main" xmlns="" id="{46C4EFCF-37C6-4BF4-8CE5-7F55B3A7E156}"/>
+                <a16:creationId xmlns:a16="http://schemas.microsoft.com/office/drawing/2014/main" id="{46C4EFCF-37C6-4BF4-8CE5-7F55B3A7E156}"/>
               </a:ext>
             </a:extLst>
           </p:cNvPr>
@@ -1664,7 +1664,7 @@
           <p:cNvPr id="5" name="Text Placeholder 4">
             <a:extLst>
               <a:ext uri="{FF2B5EF4-FFF2-40B4-BE49-F238E27FC236}">
-                <a16:creationId xmlns:a16="http://schemas.microsoft.com/office/drawing/2014/main" xmlns="" id="{28798ACB-2234-4079-9623-87021C28E192}"/>
+                <a16:creationId xmlns:a16="http://schemas.microsoft.com/office/drawing/2014/main" id="{28798ACB-2234-4079-9623-87021C28E192}"/>
               </a:ext>
             </a:extLst>
           </p:cNvPr>
@@ -1735,7 +1735,7 @@
           <p:cNvPr id="6" name="Content Placeholder 5">
             <a:extLst>
               <a:ext uri="{FF2B5EF4-FFF2-40B4-BE49-F238E27FC236}">
-                <a16:creationId xmlns:a16="http://schemas.microsoft.com/office/drawing/2014/main" xmlns="" id="{71E66E3F-DC9F-45BB-9BC4-9083669FFAB2}"/>
+                <a16:creationId xmlns:a16="http://schemas.microsoft.com/office/drawing/2014/main" id="{71E66E3F-DC9F-45BB-9BC4-9083669FFAB2}"/>
               </a:ext>
             </a:extLst>
           </p:cNvPr>
@@ -1797,7 +1797,7 @@
           <p:cNvPr id="7" name="Date Placeholder 6">
             <a:extLst>
               <a:ext uri="{FF2B5EF4-FFF2-40B4-BE49-F238E27FC236}">
-                <a16:creationId xmlns:a16="http://schemas.microsoft.com/office/drawing/2014/main" xmlns="" id="{1C5A7D2C-B362-40F9-98B1-F0B35C8AAD81}"/>
+                <a16:creationId xmlns:a16="http://schemas.microsoft.com/office/drawing/2014/main" id="{1C5A7D2C-B362-40F9-98B1-F0B35C8AAD81}"/>
               </a:ext>
             </a:extLst>
           </p:cNvPr>
@@ -1815,7 +1815,7 @@
           <a:p>
             <a:fld id="{00913632-2DD1-4795-B4E2-ED79D20560CD}" type="datetimeFigureOut">
               <a:rPr lang="en-US" smtClean="0"/>
-              <a:t>11/5/2020</a:t>
+              <a:t>11/8/2020</a:t>
             </a:fld>
             <a:endParaRPr lang="en-US"/>
           </a:p>
@@ -1826,7 +1826,7 @@
           <p:cNvPr id="8" name="Footer Placeholder 7">
             <a:extLst>
               <a:ext uri="{FF2B5EF4-FFF2-40B4-BE49-F238E27FC236}">
-                <a16:creationId xmlns:a16="http://schemas.microsoft.com/office/drawing/2014/main" xmlns="" id="{EC2A94FC-C075-4028-A260-C902B56389AD}"/>
+                <a16:creationId xmlns:a16="http://schemas.microsoft.com/office/drawing/2014/main" id="{EC2A94FC-C075-4028-A260-C902B56389AD}"/>
               </a:ext>
             </a:extLst>
           </p:cNvPr>
@@ -1851,7 +1851,7 @@
           <p:cNvPr id="9" name="Slide Number Placeholder 8">
             <a:extLst>
               <a:ext uri="{FF2B5EF4-FFF2-40B4-BE49-F238E27FC236}">
-                <a16:creationId xmlns:a16="http://schemas.microsoft.com/office/drawing/2014/main" xmlns="" id="{B10464E5-1722-401C-A94F-17D0A0D143CB}"/>
+                <a16:creationId xmlns:a16="http://schemas.microsoft.com/office/drawing/2014/main" id="{B10464E5-1722-401C-A94F-17D0A0D143CB}"/>
               </a:ext>
             </a:extLst>
           </p:cNvPr>
@@ -1910,7 +1910,7 @@
           <p:cNvPr id="2" name="Title 1">
             <a:extLst>
               <a:ext uri="{FF2B5EF4-FFF2-40B4-BE49-F238E27FC236}">
-                <a16:creationId xmlns:a16="http://schemas.microsoft.com/office/drawing/2014/main" xmlns="" id="{DCC66407-C914-4D35-802E-69244C0D1B9D}"/>
+                <a16:creationId xmlns:a16="http://schemas.microsoft.com/office/drawing/2014/main" id="{DCC66407-C914-4D35-802E-69244C0D1B9D}"/>
               </a:ext>
             </a:extLst>
           </p:cNvPr>
@@ -1938,7 +1938,7 @@
           <p:cNvPr id="3" name="Date Placeholder 2">
             <a:extLst>
               <a:ext uri="{FF2B5EF4-FFF2-40B4-BE49-F238E27FC236}">
-                <a16:creationId xmlns:a16="http://schemas.microsoft.com/office/drawing/2014/main" xmlns="" id="{BDC316E0-0E2C-4D79-9DAB-EDE89E35244D}"/>
+                <a16:creationId xmlns:a16="http://schemas.microsoft.com/office/drawing/2014/main" id="{BDC316E0-0E2C-4D79-9DAB-EDE89E35244D}"/>
               </a:ext>
             </a:extLst>
           </p:cNvPr>
@@ -1956,7 +1956,7 @@
           <a:p>
             <a:fld id="{00913632-2DD1-4795-B4E2-ED79D20560CD}" type="datetimeFigureOut">
               <a:rPr lang="en-US" smtClean="0"/>
-              <a:t>11/5/2020</a:t>
+              <a:t>11/8/2020</a:t>
             </a:fld>
             <a:endParaRPr lang="en-US"/>
           </a:p>
@@ -1967,7 +1967,7 @@
           <p:cNvPr id="4" name="Footer Placeholder 3">
             <a:extLst>
               <a:ext uri="{FF2B5EF4-FFF2-40B4-BE49-F238E27FC236}">
-                <a16:creationId xmlns:a16="http://schemas.microsoft.com/office/drawing/2014/main" xmlns="" id="{5CF62A1D-700E-48B6-A9FC-F7AA05D26EDB}"/>
+                <a16:creationId xmlns:a16="http://schemas.microsoft.com/office/drawing/2014/main" id="{5CF62A1D-700E-48B6-A9FC-F7AA05D26EDB}"/>
               </a:ext>
             </a:extLst>
           </p:cNvPr>
@@ -1992,7 +1992,7 @@
           <p:cNvPr id="5" name="Slide Number Placeholder 4">
             <a:extLst>
               <a:ext uri="{FF2B5EF4-FFF2-40B4-BE49-F238E27FC236}">
-                <a16:creationId xmlns:a16="http://schemas.microsoft.com/office/drawing/2014/main" xmlns="" id="{411F4A74-9C03-4732-A7F3-65AC2CA3BF41}"/>
+                <a16:creationId xmlns:a16="http://schemas.microsoft.com/office/drawing/2014/main" id="{411F4A74-9C03-4732-A7F3-65AC2CA3BF41}"/>
               </a:ext>
             </a:extLst>
           </p:cNvPr>
@@ -2051,7 +2051,7 @@
           <p:cNvPr id="2" name="Date Placeholder 1">
             <a:extLst>
               <a:ext uri="{FF2B5EF4-FFF2-40B4-BE49-F238E27FC236}">
-                <a16:creationId xmlns:a16="http://schemas.microsoft.com/office/drawing/2014/main" xmlns="" id="{2422EDE0-CDCD-4607-9FA6-B10CC191CCFD}"/>
+                <a16:creationId xmlns:a16="http://schemas.microsoft.com/office/drawing/2014/main" id="{2422EDE0-CDCD-4607-9FA6-B10CC191CCFD}"/>
               </a:ext>
             </a:extLst>
           </p:cNvPr>
@@ -2069,7 +2069,7 @@
           <a:p>
             <a:fld id="{00913632-2DD1-4795-B4E2-ED79D20560CD}" type="datetimeFigureOut">
               <a:rPr lang="en-US" smtClean="0"/>
-              <a:t>11/5/2020</a:t>
+              <a:t>11/8/2020</a:t>
             </a:fld>
             <a:endParaRPr lang="en-US"/>
           </a:p>
@@ -2080,7 +2080,7 @@
           <p:cNvPr id="3" name="Footer Placeholder 2">
             <a:extLst>
               <a:ext uri="{FF2B5EF4-FFF2-40B4-BE49-F238E27FC236}">
-                <a16:creationId xmlns:a16="http://schemas.microsoft.com/office/drawing/2014/main" xmlns="" id="{45218795-C99B-438C-8293-CBE25769C880}"/>
+                <a16:creationId xmlns:a16="http://schemas.microsoft.com/office/drawing/2014/main" id="{45218795-C99B-438C-8293-CBE25769C880}"/>
               </a:ext>
             </a:extLst>
           </p:cNvPr>
@@ -2105,7 +2105,7 @@
           <p:cNvPr id="4" name="Slide Number Placeholder 3">
             <a:extLst>
               <a:ext uri="{FF2B5EF4-FFF2-40B4-BE49-F238E27FC236}">
-                <a16:creationId xmlns:a16="http://schemas.microsoft.com/office/drawing/2014/main" xmlns="" id="{12D5AF33-89E3-420F-B80D-172DFA2A9C63}"/>
+                <a16:creationId xmlns:a16="http://schemas.microsoft.com/office/drawing/2014/main" id="{12D5AF33-89E3-420F-B80D-172DFA2A9C63}"/>
               </a:ext>
             </a:extLst>
           </p:cNvPr>
@@ -2164,7 +2164,7 @@
           <p:cNvPr id="2" name="Title 1">
             <a:extLst>
               <a:ext uri="{FF2B5EF4-FFF2-40B4-BE49-F238E27FC236}">
-                <a16:creationId xmlns:a16="http://schemas.microsoft.com/office/drawing/2014/main" xmlns="" id="{23BBD327-761C-4C5A-B676-9B2FE3CDA055}"/>
+                <a16:creationId xmlns:a16="http://schemas.microsoft.com/office/drawing/2014/main" id="{23BBD327-761C-4C5A-B676-9B2FE3CDA055}"/>
               </a:ext>
             </a:extLst>
           </p:cNvPr>
@@ -2201,7 +2201,7 @@
           <p:cNvPr id="3" name="Content Placeholder 2">
             <a:extLst>
               <a:ext uri="{FF2B5EF4-FFF2-40B4-BE49-F238E27FC236}">
-                <a16:creationId xmlns:a16="http://schemas.microsoft.com/office/drawing/2014/main" xmlns="" id="{923E95E9-207C-41DE-B180-EC382FCF668D}"/>
+                <a16:creationId xmlns:a16="http://schemas.microsoft.com/office/drawing/2014/main" id="{923E95E9-207C-41DE-B180-EC382FCF668D}"/>
               </a:ext>
             </a:extLst>
           </p:cNvPr>
@@ -2291,7 +2291,7 @@
           <p:cNvPr id="4" name="Text Placeholder 3">
             <a:extLst>
               <a:ext uri="{FF2B5EF4-FFF2-40B4-BE49-F238E27FC236}">
-                <a16:creationId xmlns:a16="http://schemas.microsoft.com/office/drawing/2014/main" xmlns="" id="{B1CB7835-8A01-4696-BC65-CFAFF9769D46}"/>
+                <a16:creationId xmlns:a16="http://schemas.microsoft.com/office/drawing/2014/main" id="{B1CB7835-8A01-4696-BC65-CFAFF9769D46}"/>
               </a:ext>
             </a:extLst>
           </p:cNvPr>
@@ -2362,7 +2362,7 @@
           <p:cNvPr id="5" name="Date Placeholder 4">
             <a:extLst>
               <a:ext uri="{FF2B5EF4-FFF2-40B4-BE49-F238E27FC236}">
-                <a16:creationId xmlns:a16="http://schemas.microsoft.com/office/drawing/2014/main" xmlns="" id="{7EA0C58C-DD35-4952-9BD9-16FA91479101}"/>
+                <a16:creationId xmlns:a16="http://schemas.microsoft.com/office/drawing/2014/main" id="{7EA0C58C-DD35-4952-9BD9-16FA91479101}"/>
               </a:ext>
             </a:extLst>
           </p:cNvPr>
@@ -2380,7 +2380,7 @@
           <a:p>
             <a:fld id="{00913632-2DD1-4795-B4E2-ED79D20560CD}" type="datetimeFigureOut">
               <a:rPr lang="en-US" smtClean="0"/>
-              <a:t>11/5/2020</a:t>
+              <a:t>11/8/2020</a:t>
             </a:fld>
             <a:endParaRPr lang="en-US"/>
           </a:p>
@@ -2391,7 +2391,7 @@
           <p:cNvPr id="6" name="Footer Placeholder 5">
             <a:extLst>
               <a:ext uri="{FF2B5EF4-FFF2-40B4-BE49-F238E27FC236}">
-                <a16:creationId xmlns:a16="http://schemas.microsoft.com/office/drawing/2014/main" xmlns="" id="{B4741221-9E5D-4813-BF36-292D6400968A}"/>
+                <a16:creationId xmlns:a16="http://schemas.microsoft.com/office/drawing/2014/main" id="{B4741221-9E5D-4813-BF36-292D6400968A}"/>
               </a:ext>
             </a:extLst>
           </p:cNvPr>
@@ -2416,7 +2416,7 @@
           <p:cNvPr id="7" name="Slide Number Placeholder 6">
             <a:extLst>
               <a:ext uri="{FF2B5EF4-FFF2-40B4-BE49-F238E27FC236}">
-                <a16:creationId xmlns:a16="http://schemas.microsoft.com/office/drawing/2014/main" xmlns="" id="{02A5CC85-2591-45CA-92FA-9038ABB71829}"/>
+                <a16:creationId xmlns:a16="http://schemas.microsoft.com/office/drawing/2014/main" id="{02A5CC85-2591-45CA-92FA-9038ABB71829}"/>
               </a:ext>
             </a:extLst>
           </p:cNvPr>
@@ -2475,7 +2475,7 @@
           <p:cNvPr id="2" name="Title 1">
             <a:extLst>
               <a:ext uri="{FF2B5EF4-FFF2-40B4-BE49-F238E27FC236}">
-                <a16:creationId xmlns:a16="http://schemas.microsoft.com/office/drawing/2014/main" xmlns="" id="{E450DAE2-8226-46F4-A0D0-8DF322CDF8BA}"/>
+                <a16:creationId xmlns:a16="http://schemas.microsoft.com/office/drawing/2014/main" id="{E450DAE2-8226-46F4-A0D0-8DF322CDF8BA}"/>
               </a:ext>
             </a:extLst>
           </p:cNvPr>
@@ -2512,7 +2512,7 @@
           <p:cNvPr id="3" name="Picture Placeholder 2">
             <a:extLst>
               <a:ext uri="{FF2B5EF4-FFF2-40B4-BE49-F238E27FC236}">
-                <a16:creationId xmlns:a16="http://schemas.microsoft.com/office/drawing/2014/main" xmlns="" id="{416C7C58-144B-4144-B4AE-FDAFFAF71B57}"/>
+                <a16:creationId xmlns:a16="http://schemas.microsoft.com/office/drawing/2014/main" id="{416C7C58-144B-4144-B4AE-FDAFFAF71B57}"/>
               </a:ext>
             </a:extLst>
           </p:cNvPr>
@@ -2579,7 +2579,7 @@
           <p:cNvPr id="4" name="Text Placeholder 3">
             <a:extLst>
               <a:ext uri="{FF2B5EF4-FFF2-40B4-BE49-F238E27FC236}">
-                <a16:creationId xmlns:a16="http://schemas.microsoft.com/office/drawing/2014/main" xmlns="" id="{B1148904-C172-4AF4-8930-55354069A338}"/>
+                <a16:creationId xmlns:a16="http://schemas.microsoft.com/office/drawing/2014/main" id="{B1148904-C172-4AF4-8930-55354069A338}"/>
               </a:ext>
             </a:extLst>
           </p:cNvPr>
@@ -2650,7 +2650,7 @@
           <p:cNvPr id="5" name="Date Placeholder 4">
             <a:extLst>
               <a:ext uri="{FF2B5EF4-FFF2-40B4-BE49-F238E27FC236}">
-                <a16:creationId xmlns:a16="http://schemas.microsoft.com/office/drawing/2014/main" xmlns="" id="{BDBD3FE9-2085-4511-92AA-09CD1D5D1987}"/>
+                <a16:creationId xmlns:a16="http://schemas.microsoft.com/office/drawing/2014/main" id="{BDBD3FE9-2085-4511-92AA-09CD1D5D1987}"/>
               </a:ext>
             </a:extLst>
           </p:cNvPr>
@@ -2668,7 +2668,7 @@
           <a:p>
             <a:fld id="{00913632-2DD1-4795-B4E2-ED79D20560CD}" type="datetimeFigureOut">
               <a:rPr lang="en-US" smtClean="0"/>
-              <a:t>11/5/2020</a:t>
+              <a:t>11/8/2020</a:t>
             </a:fld>
             <a:endParaRPr lang="en-US"/>
           </a:p>
@@ -2679,7 +2679,7 @@
           <p:cNvPr id="6" name="Footer Placeholder 5">
             <a:extLst>
               <a:ext uri="{FF2B5EF4-FFF2-40B4-BE49-F238E27FC236}">
-                <a16:creationId xmlns:a16="http://schemas.microsoft.com/office/drawing/2014/main" xmlns="" id="{278DD2D3-CCD3-484A-B19C-C755F4274492}"/>
+                <a16:creationId xmlns:a16="http://schemas.microsoft.com/office/drawing/2014/main" id="{278DD2D3-CCD3-484A-B19C-C755F4274492}"/>
               </a:ext>
             </a:extLst>
           </p:cNvPr>
@@ -2704,7 +2704,7 @@
           <p:cNvPr id="7" name="Slide Number Placeholder 6">
             <a:extLst>
               <a:ext uri="{FF2B5EF4-FFF2-40B4-BE49-F238E27FC236}">
-                <a16:creationId xmlns:a16="http://schemas.microsoft.com/office/drawing/2014/main" xmlns="" id="{8901E1DD-686E-45EC-84F4-A1F36C5CB8F7}"/>
+                <a16:creationId xmlns:a16="http://schemas.microsoft.com/office/drawing/2014/main" id="{8901E1DD-686E-45EC-84F4-A1F36C5CB8F7}"/>
               </a:ext>
             </a:extLst>
           </p:cNvPr>
@@ -2768,7 +2768,7 @@
           <p:cNvPr id="2" name="Title Placeholder 1">
             <a:extLst>
               <a:ext uri="{FF2B5EF4-FFF2-40B4-BE49-F238E27FC236}">
-                <a16:creationId xmlns:a16="http://schemas.microsoft.com/office/drawing/2014/main" xmlns="" id="{3234C071-99BB-495C-BA33-851B93BBF68A}"/>
+                <a16:creationId xmlns:a16="http://schemas.microsoft.com/office/drawing/2014/main" id="{3234C071-99BB-495C-BA33-851B93BBF68A}"/>
               </a:ext>
             </a:extLst>
           </p:cNvPr>
@@ -2806,7 +2806,7 @@
           <p:cNvPr id="3" name="Text Placeholder 2">
             <a:extLst>
               <a:ext uri="{FF2B5EF4-FFF2-40B4-BE49-F238E27FC236}">
-                <a16:creationId xmlns:a16="http://schemas.microsoft.com/office/drawing/2014/main" xmlns="" id="{095EE495-389B-4A61-A6D2-F9D9790CD7AD}"/>
+                <a16:creationId xmlns:a16="http://schemas.microsoft.com/office/drawing/2014/main" id="{095EE495-389B-4A61-A6D2-F9D9790CD7AD}"/>
               </a:ext>
             </a:extLst>
           </p:cNvPr>
@@ -2873,7 +2873,7 @@
           <p:cNvPr id="4" name="Date Placeholder 3">
             <a:extLst>
               <a:ext uri="{FF2B5EF4-FFF2-40B4-BE49-F238E27FC236}">
-                <a16:creationId xmlns:a16="http://schemas.microsoft.com/office/drawing/2014/main" xmlns="" id="{95A495D6-66B8-4474-960E-C27E25CF4F93}"/>
+                <a16:creationId xmlns:a16="http://schemas.microsoft.com/office/drawing/2014/main" id="{95A495D6-66B8-4474-960E-C27E25CF4F93}"/>
               </a:ext>
             </a:extLst>
           </p:cNvPr>
@@ -2909,7 +2909,7 @@
           <a:p>
             <a:fld id="{00913632-2DD1-4795-B4E2-ED79D20560CD}" type="datetimeFigureOut">
               <a:rPr lang="en-US" smtClean="0"/>
-              <a:t>11/5/2020</a:t>
+              <a:t>11/8/2020</a:t>
             </a:fld>
             <a:endParaRPr lang="en-US"/>
           </a:p>
@@ -2920,7 +2920,7 @@
           <p:cNvPr id="5" name="Footer Placeholder 4">
             <a:extLst>
               <a:ext uri="{FF2B5EF4-FFF2-40B4-BE49-F238E27FC236}">
-                <a16:creationId xmlns:a16="http://schemas.microsoft.com/office/drawing/2014/main" xmlns="" id="{E1CCF5A3-8E04-426C-BEC9-D46A91145A5B}"/>
+                <a16:creationId xmlns:a16="http://schemas.microsoft.com/office/drawing/2014/main" id="{E1CCF5A3-8E04-426C-BEC9-D46A91145A5B}"/>
               </a:ext>
             </a:extLst>
           </p:cNvPr>
@@ -2963,7 +2963,7 @@
           <p:cNvPr id="6" name="Slide Number Placeholder 5">
             <a:extLst>
               <a:ext uri="{FF2B5EF4-FFF2-40B4-BE49-F238E27FC236}">
-                <a16:creationId xmlns:a16="http://schemas.microsoft.com/office/drawing/2014/main" xmlns="" id="{2DB31E3D-3795-4FD4-9A63-0A7A7216389F}"/>
+                <a16:creationId xmlns:a16="http://schemas.microsoft.com/office/drawing/2014/main" id="{2DB31E3D-3795-4FD4-9A63-0A7A7216389F}"/>
               </a:ext>
             </a:extLst>
           </p:cNvPr>
@@ -3331,7 +3331,7 @@
           <p:cNvPr id="4" name="Rectangle 3">
             <a:extLst>
               <a:ext uri="{FF2B5EF4-FFF2-40B4-BE49-F238E27FC236}">
-                <a16:creationId xmlns:a16="http://schemas.microsoft.com/office/drawing/2014/main" xmlns="" id="{5BA6279C-3CCC-4316-A38B-3D386CD714A2}"/>
+                <a16:creationId xmlns:a16="http://schemas.microsoft.com/office/drawing/2014/main" id="{5BA6279C-3CCC-4316-A38B-3D386CD714A2}"/>
               </a:ext>
             </a:extLst>
           </p:cNvPr>
@@ -3354,7 +3354,7 @@
           <a:lstStyle/>
           <a:p>
             <a:r>
-              <a:rPr lang="en-AU" sz="2400" smtClean="0">
+              <a:rPr lang="en-AU" sz="2400">
                 <a:latin typeface="Times New Roman" panose="02020603050405020304" pitchFamily="18" charset="0"/>
                 <a:cs typeface="Times New Roman" panose="02020603050405020304" pitchFamily="18" charset="0"/>
               </a:rPr>
@@ -3372,7 +3372,7 @@
           <p:cNvPr id="5" name="Circle">
             <a:extLst>
               <a:ext uri="{FF2B5EF4-FFF2-40B4-BE49-F238E27FC236}">
-                <a16:creationId xmlns:a16="http://schemas.microsoft.com/office/drawing/2014/main" xmlns="" id="{58B09903-E371-473B-890E-108EF2FCEE9D}"/>
+                <a16:creationId xmlns:a16="http://schemas.microsoft.com/office/drawing/2014/main" id="{58B09903-E371-473B-890E-108EF2FCEE9D}"/>
               </a:ext>
             </a:extLst>
           </p:cNvPr>
@@ -3424,7 +3424,7 @@
           <p:cNvPr id="6" name="Circle">
             <a:extLst>
               <a:ext uri="{FF2B5EF4-FFF2-40B4-BE49-F238E27FC236}">
-                <a16:creationId xmlns:a16="http://schemas.microsoft.com/office/drawing/2014/main" xmlns="" id="{56FA6BAA-0BDD-430A-80BD-19F6AFECD920}"/>
+                <a16:creationId xmlns:a16="http://schemas.microsoft.com/office/drawing/2014/main" id="{56FA6BAA-0BDD-430A-80BD-19F6AFECD920}"/>
               </a:ext>
             </a:extLst>
           </p:cNvPr>
@@ -3476,7 +3476,7 @@
           <p:cNvPr id="7" name="Circle">
             <a:extLst>
               <a:ext uri="{FF2B5EF4-FFF2-40B4-BE49-F238E27FC236}">
-                <a16:creationId xmlns:a16="http://schemas.microsoft.com/office/drawing/2014/main" xmlns="" id="{0D90869C-1C9F-4966-8B64-02CAC54C0D70}"/>
+                <a16:creationId xmlns:a16="http://schemas.microsoft.com/office/drawing/2014/main" id="{0D90869C-1C9F-4966-8B64-02CAC54C0D70}"/>
               </a:ext>
             </a:extLst>
           </p:cNvPr>
@@ -3528,7 +3528,7 @@
           <p:cNvPr id="8" name="Rectangle">
             <a:extLst>
               <a:ext uri="{FF2B5EF4-FFF2-40B4-BE49-F238E27FC236}">
-                <a16:creationId xmlns:a16="http://schemas.microsoft.com/office/drawing/2014/main" xmlns="" id="{8958FECA-F5A5-4E11-A7A5-18EAA0FE5A33}"/>
+                <a16:creationId xmlns:a16="http://schemas.microsoft.com/office/drawing/2014/main" id="{8958FECA-F5A5-4E11-A7A5-18EAA0FE5A33}"/>
               </a:ext>
             </a:extLst>
           </p:cNvPr>
@@ -3577,7 +3577,7 @@
           <p:cNvPr id="9" name="Circle">
             <a:extLst>
               <a:ext uri="{FF2B5EF4-FFF2-40B4-BE49-F238E27FC236}">
-                <a16:creationId xmlns:a16="http://schemas.microsoft.com/office/drawing/2014/main" xmlns="" id="{2CE4DF51-CF44-43C7-99A9-80365F94AD7E}"/>
+                <a16:creationId xmlns:a16="http://schemas.microsoft.com/office/drawing/2014/main" id="{2CE4DF51-CF44-43C7-99A9-80365F94AD7E}"/>
               </a:ext>
             </a:extLst>
           </p:cNvPr>
@@ -3633,7 +3633,7 @@
           <p:cNvPr id="10" name="Circle">
             <a:extLst>
               <a:ext uri="{FF2B5EF4-FFF2-40B4-BE49-F238E27FC236}">
-                <a16:creationId xmlns:a16="http://schemas.microsoft.com/office/drawing/2014/main" xmlns="" id="{8A9BBC3B-63C0-4C5C-9210-33A0F1A013F8}"/>
+                <a16:creationId xmlns:a16="http://schemas.microsoft.com/office/drawing/2014/main" id="{8A9BBC3B-63C0-4C5C-9210-33A0F1A013F8}"/>
               </a:ext>
             </a:extLst>
           </p:cNvPr>
@@ -3692,7 +3692,7 @@
           <p:cNvPr id="11" name="Circle">
             <a:extLst>
               <a:ext uri="{FF2B5EF4-FFF2-40B4-BE49-F238E27FC236}">
-                <a16:creationId xmlns:a16="http://schemas.microsoft.com/office/drawing/2014/main" xmlns="" id="{510462BE-63B7-4276-8421-E15EB7E01B53}"/>
+                <a16:creationId xmlns:a16="http://schemas.microsoft.com/office/drawing/2014/main" id="{510462BE-63B7-4276-8421-E15EB7E01B53}"/>
               </a:ext>
             </a:extLst>
           </p:cNvPr>
@@ -3746,7 +3746,7 @@
           <p:cNvPr id="12" name="Trait combination one">
             <a:extLst>
               <a:ext uri="{FF2B5EF4-FFF2-40B4-BE49-F238E27FC236}">
-                <a16:creationId xmlns:a16="http://schemas.microsoft.com/office/drawing/2014/main" xmlns="" id="{C0EEB230-7ED4-4E0D-B13C-97D4BD998D6B}"/>
+                <a16:creationId xmlns:a16="http://schemas.microsoft.com/office/drawing/2014/main" id="{C0EEB230-7ED4-4E0D-B13C-97D4BD998D6B}"/>
               </a:ext>
             </a:extLst>
           </p:cNvPr>
@@ -3766,7 +3766,7 @@
           </a:ln>
           <a:extLst>
             <a:ext uri="{C572A759-6A51-4108-AA02-DFA0A04FC94B}">
-              <ma14:wrappingTextBoxFlag xmlns="" xmlns:m="http://schemas.openxmlformats.org/officeDocument/2006/math" xmlns:a14="http://schemas.microsoft.com/office/drawing/2010/main" xmlns:ma14="http://schemas.microsoft.com/office/mac/drawingml/2011/main" val="1"/>
+              <ma14:wrappingTextBoxFlag xmlns:ma14="http://schemas.microsoft.com/office/mac/drawingml/2011/main" xmlns:a14="http://schemas.microsoft.com/office/drawing/2010/main" xmlns:m="http://schemas.openxmlformats.org/officeDocument/2006/math" xmlns="" val="1"/>
             </a:ext>
           </a:extLst>
         </p:spPr>
@@ -3807,7 +3807,7 @@
           <p:cNvPr id="13" name="Trait combination one">
             <a:extLst>
               <a:ext uri="{FF2B5EF4-FFF2-40B4-BE49-F238E27FC236}">
-                <a16:creationId xmlns:a16="http://schemas.microsoft.com/office/drawing/2014/main" xmlns="" id="{B7C41A18-FDB7-4A94-A256-A69F4A59ECBC}"/>
+                <a16:creationId xmlns:a16="http://schemas.microsoft.com/office/drawing/2014/main" id="{B7C41A18-FDB7-4A94-A256-A69F4A59ECBC}"/>
               </a:ext>
             </a:extLst>
           </p:cNvPr>
@@ -3827,7 +3827,7 @@
           </a:ln>
           <a:extLst>
             <a:ext uri="{C572A759-6A51-4108-AA02-DFA0A04FC94B}">
-              <ma14:wrappingTextBoxFlag xmlns="" xmlns:m="http://schemas.openxmlformats.org/officeDocument/2006/math" xmlns:a14="http://schemas.microsoft.com/office/drawing/2010/main" xmlns:ma14="http://schemas.microsoft.com/office/mac/drawingml/2011/main" val="1"/>
+              <ma14:wrappingTextBoxFlag xmlns:ma14="http://schemas.microsoft.com/office/mac/drawingml/2011/main" xmlns:a14="http://schemas.microsoft.com/office/drawing/2010/main" xmlns:m="http://schemas.openxmlformats.org/officeDocument/2006/math" xmlns="" val="1"/>
             </a:ext>
           </a:extLst>
         </p:spPr>
@@ -3868,7 +3868,7 @@
           <p:cNvPr id="48" name="TextBox 47">
             <a:extLst>
               <a:ext uri="{FF2B5EF4-FFF2-40B4-BE49-F238E27FC236}">
-                <a16:creationId xmlns:a16="http://schemas.microsoft.com/office/drawing/2014/main" xmlns="" id="{68DEB93F-0CD7-4FC5-983E-A7F6C37BFA26}"/>
+                <a16:creationId xmlns:a16="http://schemas.microsoft.com/office/drawing/2014/main" id="{68DEB93F-0CD7-4FC5-983E-A7F6C37BFA26}"/>
               </a:ext>
             </a:extLst>
           </p:cNvPr>
@@ -3892,35 +3892,41 @@
           <a:lstStyle/>
           <a:p>
             <a:r>
-              <a:rPr lang="en-US" sz="2400" dirty="0" smtClean="0">
+              <a:rPr lang="en-US" sz="2400" dirty="0">
                 <a:latin typeface="Times New Roman" panose="02020603050405020304" pitchFamily="18" charset="0"/>
                 <a:cs typeface="Times New Roman" panose="02020603050405020304" pitchFamily="18" charset="0"/>
               </a:rPr>
               <a:t>Population variability</a:t>
             </a:r>
+          </a:p>
+          <a:p>
             <a:endParaRPr lang="en-US" sz="2400" dirty="0">
               <a:latin typeface="Times New Roman" panose="02020603050405020304" pitchFamily="18" charset="0"/>
               <a:cs typeface="Times New Roman" panose="02020603050405020304" pitchFamily="18" charset="0"/>
             </a:endParaRPr>
           </a:p>
           <a:p>
-            <a:endParaRPr lang="en-US" sz="2400" dirty="0" smtClean="0">
-              <a:latin typeface="Times New Roman" panose="02020603050405020304" pitchFamily="18" charset="0"/>
-              <a:cs typeface="Times New Roman" panose="02020603050405020304" pitchFamily="18" charset="0"/>
-            </a:endParaRPr>
-          </a:p>
-          <a:p>
-            <a:r>
-              <a:rPr lang="en-US" sz="2400" dirty="0" smtClean="0">
+            <a:r>
+              <a:rPr lang="en-US" sz="2400" dirty="0">
                 <a:latin typeface="Times New Roman" panose="02020603050405020304" pitchFamily="18" charset="0"/>
                 <a:cs typeface="Times New Roman" panose="02020603050405020304" pitchFamily="18" charset="0"/>
               </a:rPr>
-              <a:t>X = Low</a:t>
-            </a:r>
-            <a:endParaRPr lang="en-US" sz="2400" dirty="0">
-              <a:latin typeface="Times New Roman" panose="02020603050405020304" pitchFamily="18" charset="0"/>
-              <a:cs typeface="Times New Roman" panose="02020603050405020304" pitchFamily="18" charset="0"/>
-            </a:endParaRPr>
+              <a:t>X</a:t>
+            </a:r>
+            <a:r>
+              <a:rPr lang="en-US" sz="2400" baseline="-25000" dirty="0">
+                <a:latin typeface="Times New Roman" panose="02020603050405020304" pitchFamily="18" charset="0"/>
+                <a:cs typeface="Times New Roman" panose="02020603050405020304" pitchFamily="18" charset="0"/>
+              </a:rPr>
+              <a:t>1</a:t>
+            </a:r>
+            <a:r>
+              <a:rPr lang="en-US" sz="2400" dirty="0">
+                <a:latin typeface="Times New Roman" panose="02020603050405020304" pitchFamily="18" charset="0"/>
+                <a:cs typeface="Times New Roman" panose="02020603050405020304" pitchFamily="18" charset="0"/>
+              </a:rPr>
+              <a:t> = Low</a:t>
+            </a:r>
           </a:p>
           <a:p>
             <a:r>
@@ -3934,6 +3940,16 @@
               <a:t>X</a:t>
             </a:r>
             <a:r>
+              <a:rPr lang="en-US" sz="2400" baseline="-25000" dirty="0">
+                <a:solidFill>
+                  <a:srgbClr val="023EE8"/>
+                </a:solidFill>
+                <a:latin typeface="Times New Roman" panose="02020603050405020304" pitchFamily="18" charset="0"/>
+                <a:cs typeface="Times New Roman" panose="02020603050405020304" pitchFamily="18" charset="0"/>
+              </a:rPr>
+              <a:t>2</a:t>
+            </a:r>
+            <a:r>
               <a:rPr lang="en-US" sz="2400" dirty="0">
                 <a:solidFill>
                   <a:srgbClr val="FFFF00"/>
@@ -3948,19 +3964,8 @@
                 <a:latin typeface="Times New Roman" panose="02020603050405020304" pitchFamily="18" charset="0"/>
                 <a:cs typeface="Times New Roman" panose="02020603050405020304" pitchFamily="18" charset="0"/>
               </a:rPr>
-              <a:t>= </a:t>
-            </a:r>
-            <a:r>
-              <a:rPr lang="en-US" sz="2400" dirty="0" smtClean="0">
-                <a:latin typeface="Times New Roman" panose="02020603050405020304" pitchFamily="18" charset="0"/>
-                <a:cs typeface="Times New Roman" panose="02020603050405020304" pitchFamily="18" charset="0"/>
-              </a:rPr>
-              <a:t>Medium</a:t>
-            </a:r>
-            <a:endParaRPr lang="en-US" sz="2400" dirty="0">
-              <a:latin typeface="Times New Roman" panose="02020603050405020304" pitchFamily="18" charset="0"/>
-              <a:cs typeface="Times New Roman" panose="02020603050405020304" pitchFamily="18" charset="0"/>
-            </a:endParaRPr>
+              <a:t>= Medium</a:t>
+            </a:r>
           </a:p>
           <a:p>
             <a:r>
@@ -3974,23 +3979,22 @@
               <a:t>X</a:t>
             </a:r>
             <a:r>
+              <a:rPr lang="en-US" sz="2400" baseline="-25000" dirty="0">
+                <a:solidFill>
+                  <a:srgbClr val="FF0000"/>
+                </a:solidFill>
+                <a:latin typeface="Times New Roman" panose="02020603050405020304" pitchFamily="18" charset="0"/>
+                <a:cs typeface="Times New Roman" panose="02020603050405020304" pitchFamily="18" charset="0"/>
+              </a:rPr>
+              <a:t>3</a:t>
+            </a:r>
+            <a:r>
               <a:rPr lang="en-US" sz="2400" dirty="0">
                 <a:latin typeface="Times New Roman" panose="02020603050405020304" pitchFamily="18" charset="0"/>
                 <a:cs typeface="Times New Roman" panose="02020603050405020304" pitchFamily="18" charset="0"/>
               </a:rPr>
-              <a:t> = </a:t>
-            </a:r>
-            <a:r>
-              <a:rPr lang="en-US" sz="2400" dirty="0" smtClean="0">
-                <a:latin typeface="Times New Roman" panose="02020603050405020304" pitchFamily="18" charset="0"/>
-                <a:cs typeface="Times New Roman" panose="02020603050405020304" pitchFamily="18" charset="0"/>
-              </a:rPr>
-              <a:t>High</a:t>
-            </a:r>
-            <a:endParaRPr lang="en-US" sz="2400" dirty="0">
-              <a:latin typeface="Times New Roman" panose="02020603050405020304" pitchFamily="18" charset="0"/>
-              <a:cs typeface="Times New Roman" panose="02020603050405020304" pitchFamily="18" charset="0"/>
-            </a:endParaRPr>
+              <a:t> = High</a:t>
+            </a:r>
           </a:p>
           <a:p>
             <a:endParaRPr lang="en-US" sz="2400" dirty="0">
@@ -4014,7 +4018,7 @@
           <p:cNvPr id="50" name="Circle">
             <a:extLst>
               <a:ext uri="{FF2B5EF4-FFF2-40B4-BE49-F238E27FC236}">
-                <a16:creationId xmlns:a16="http://schemas.microsoft.com/office/drawing/2014/main" xmlns="" id="{3C996158-691C-4062-8151-DE186CE59366}"/>
+                <a16:creationId xmlns:a16="http://schemas.microsoft.com/office/drawing/2014/main" id="{3C996158-691C-4062-8151-DE186CE59366}"/>
               </a:ext>
             </a:extLst>
           </p:cNvPr>
@@ -4070,7 +4074,7 @@
           <p:cNvPr id="43" name="Rectangle 42">
             <a:extLst>
               <a:ext uri="{FF2B5EF4-FFF2-40B4-BE49-F238E27FC236}">
-                <a16:creationId xmlns:a16="http://schemas.microsoft.com/office/drawing/2014/main" xmlns="" id="{F4A6C4A0-B858-49B1-86B6-006D5339C33E}"/>
+                <a16:creationId xmlns:a16="http://schemas.microsoft.com/office/drawing/2014/main" id="{F4A6C4A0-B858-49B1-86B6-006D5339C33E}"/>
               </a:ext>
             </a:extLst>
           </p:cNvPr>
@@ -4079,8 +4083,8 @@
         </p:nvSpPr>
         <p:spPr>
           <a:xfrm>
-            <a:off x="2545191" y="3799606"/>
-            <a:ext cx="389850" cy="584775"/>
+            <a:off x="2498221" y="3852107"/>
+            <a:ext cx="526106" cy="584775"/>
           </a:xfrm>
           <a:prstGeom prst="rect">
             <a:avLst/>
@@ -4104,6 +4108,16 @@
                 <a:cs typeface="Times New Roman" panose="02020603050405020304" pitchFamily="18" charset="0"/>
               </a:rPr>
               <a:t>x</a:t>
+            </a:r>
+            <a:r>
+              <a:rPr lang="en-AU" sz="3200" baseline="-25000" dirty="0">
+                <a:solidFill>
+                  <a:srgbClr val="FF0000"/>
+                </a:solidFill>
+                <a:latin typeface="Times New Roman" panose="02020603050405020304" pitchFamily="18" charset="0"/>
+                <a:cs typeface="Times New Roman" panose="02020603050405020304" pitchFamily="18" charset="0"/>
+              </a:rPr>
+              <a:t>3</a:t>
             </a:r>
             <a:endParaRPr lang="en-US" sz="3200" dirty="0">
               <a:solidFill>
@@ -4195,7 +4209,7 @@
           <p:cNvPr id="58" name="Rectangle 57">
             <a:extLst>
               <a:ext uri="{FF2B5EF4-FFF2-40B4-BE49-F238E27FC236}">
-                <a16:creationId xmlns:a16="http://schemas.microsoft.com/office/drawing/2014/main" xmlns="" id="{F4A6C4A0-B858-49B1-86B6-006D5339C33E}"/>
+                <a16:creationId xmlns:a16="http://schemas.microsoft.com/office/drawing/2014/main" id="{F4A6C4A0-B858-49B1-86B6-006D5339C33E}"/>
               </a:ext>
             </a:extLst>
           </p:cNvPr>
@@ -4204,8 +4218,8 @@
         </p:nvSpPr>
         <p:spPr>
           <a:xfrm>
-            <a:off x="2360276" y="2343302"/>
-            <a:ext cx="389850" cy="584775"/>
+            <a:off x="2275752" y="2273663"/>
+            <a:ext cx="526106" cy="584775"/>
           </a:xfrm>
           <a:prstGeom prst="rect">
             <a:avLst/>
@@ -4227,6 +4241,13 @@
               </a:rPr>
               <a:t>x</a:t>
             </a:r>
+            <a:r>
+              <a:rPr lang="en-AU" sz="3200" baseline="-25000" dirty="0">
+                <a:latin typeface="Times New Roman" panose="02020603050405020304" pitchFamily="18" charset="0"/>
+                <a:cs typeface="Times New Roman" panose="02020603050405020304" pitchFamily="18" charset="0"/>
+              </a:rPr>
+              <a:t>1</a:t>
+            </a:r>
             <a:endParaRPr lang="en-US" sz="3200" dirty="0">
               <a:latin typeface="Times New Roman" panose="02020603050405020304" pitchFamily="18" charset="0"/>
               <a:cs typeface="Times New Roman" panose="02020603050405020304" pitchFamily="18" charset="0"/>
@@ -4239,7 +4260,7 @@
           <p:cNvPr id="59" name="Rectangle 58">
             <a:extLst>
               <a:ext uri="{FF2B5EF4-FFF2-40B4-BE49-F238E27FC236}">
-                <a16:creationId xmlns:a16="http://schemas.microsoft.com/office/drawing/2014/main" xmlns="" id="{F4A6C4A0-B858-49B1-86B6-006D5339C33E}"/>
+                <a16:creationId xmlns:a16="http://schemas.microsoft.com/office/drawing/2014/main" id="{F4A6C4A0-B858-49B1-86B6-006D5339C33E}"/>
               </a:ext>
             </a:extLst>
           </p:cNvPr>
@@ -4248,8 +4269,8 @@
         </p:nvSpPr>
         <p:spPr>
           <a:xfrm>
-            <a:off x="2391162" y="3142856"/>
-            <a:ext cx="389850" cy="584775"/>
+            <a:off x="2264008" y="3171276"/>
+            <a:ext cx="522310" cy="584775"/>
           </a:xfrm>
           <a:prstGeom prst="rect">
             <a:avLst/>
@@ -4273,6 +4294,16 @@
                 <a:cs typeface="Times New Roman" panose="02020603050405020304" pitchFamily="18" charset="0"/>
               </a:rPr>
               <a:t>x</a:t>
+            </a:r>
+            <a:r>
+              <a:rPr lang="en-AU" sz="3200" baseline="-25000" dirty="0">
+                <a:solidFill>
+                  <a:srgbClr val="023EE8"/>
+                </a:solidFill>
+                <a:latin typeface="Times New Roman" panose="02020603050405020304" pitchFamily="18" charset="0"/>
+                <a:cs typeface="Times New Roman" panose="02020603050405020304" pitchFamily="18" charset="0"/>
+              </a:rPr>
+              <a:t>2</a:t>
             </a:r>
             <a:endParaRPr lang="en-US" sz="3200" dirty="0">
               <a:solidFill>
